--- a/成果発表会/IT研修_振り返り成果発表.pptx
+++ b/成果発表会/IT研修_振り返り成果発表.pptx
@@ -29,8 +29,8 @@
     <p:sldId id="273" r:id="rId20"/>
     <p:sldId id="274" r:id="rId21"/>
     <p:sldId id="275" r:id="rId22"/>
-    <p:sldId id="277" r:id="rId23"/>
-    <p:sldId id="276" r:id="rId24"/>
+    <p:sldId id="276" r:id="rId23"/>
+    <p:sldId id="277" r:id="rId24"/>
   </p:sldIdLst>
   <p:sldSz cx="12192000" cy="6858000"/>
   <p:notesSz cx="6858000" cy="9144000"/>
@@ -146,8 +146,8 @@
     <p1510:client id="{49B5DDE0-26D7-9EDF-7F63-DA3A654EDAF4}" v="459" dt="2025-07-30T07:25:46.769"/>
     <p1510:client id="{BC3E33FA-41A7-403C-8615-D6B46A5F679F}" v="1200" dt="2025-07-30T06:14:06.986"/>
     <p1510:client id="{C3E33CD0-5EA5-1A87-074F-23193DDDB63C}" v="289" dt="2025-07-30T07:41:12.073"/>
-    <p1510:client id="{E001C265-D489-5A8B-BC3E-E63D6E402614}" v="19" dt="2025-07-30T06:21:54.829"/>
-    <p1510:client id="{FFB1A3AD-E1A2-E9C8-0D56-93002EFBD895}" v="69" dt="2025-07-30T08:51:08.567"/>
+    <p1510:client id="{E001C265-D489-5A8B-BC3E-E63D6E402614}" v="33" dt="2025-07-30T09:03:37.845"/>
+    <p1510:client id="{FFB1A3AD-E1A2-E9C8-0D56-93002EFBD895}" v="73" dt="2025-07-31T01:40:22.352"/>
   </p1510:revLst>
 </p1510:revInfo>
 </file>
@@ -509,7 +509,7 @@
   <pc:docChgLst>
     <pc:chgData name="MURATA Shogo(村田 翔悟)" userId="S::shogo.murata@avantcorp.com::e2eca410-15b2-4682-9db9-09d4b3f9b759" providerId="AD" clId="Web-{E001C265-D489-5A8B-BC3E-E63D6E402614}"/>
     <pc:docChg chg="addSld delSld modSld">
-      <pc:chgData name="MURATA Shogo(村田 翔悟)" userId="S::shogo.murata@avantcorp.com::e2eca410-15b2-4682-9db9-09d4b3f9b759" providerId="AD" clId="Web-{E001C265-D489-5A8B-BC3E-E63D6E402614}" dt="2025-07-30T06:21:54.829" v="24" actId="1076"/>
+      <pc:chgData name="MURATA Shogo(村田 翔悟)" userId="S::shogo.murata@avantcorp.com::e2eca410-15b2-4682-9db9-09d4b3f9b759" providerId="AD" clId="Web-{E001C265-D489-5A8B-BC3E-E63D6E402614}" dt="2025-07-30T09:03:37.845" v="38" actId="1076"/>
       <pc:docMkLst>
         <pc:docMk/>
       </pc:docMkLst>
@@ -629,6 +629,37 @@
             <pc:docMk/>
             <pc:sldMk cId="3911431680" sldId="263"/>
             <ac:picMk id="4" creationId="{22A0A8E0-4185-FC85-2A13-DF0785B0C058}"/>
+          </ac:picMkLst>
+        </pc:picChg>
+      </pc:sldChg>
+      <pc:sldChg chg="addSp delSp modSp">
+        <pc:chgData name="MURATA Shogo(村田 翔悟)" userId="S::shogo.murata@avantcorp.com::e2eca410-15b2-4682-9db9-09d4b3f9b759" providerId="AD" clId="Web-{E001C265-D489-5A8B-BC3E-E63D6E402614}" dt="2025-07-30T09:03:37.845" v="38" actId="1076"/>
+        <pc:sldMkLst>
+          <pc:docMk/>
+          <pc:sldMk cId="3886576122" sldId="264"/>
+        </pc:sldMkLst>
+        <pc:spChg chg="del">
+          <ac:chgData name="MURATA Shogo(村田 翔悟)" userId="S::shogo.murata@avantcorp.com::e2eca410-15b2-4682-9db9-09d4b3f9b759" providerId="AD" clId="Web-{E001C265-D489-5A8B-BC3E-E63D6E402614}" dt="2025-07-30T09:02:34.704" v="25"/>
+          <ac:spMkLst>
+            <pc:docMk/>
+            <pc:sldMk cId="3886576122" sldId="264"/>
+            <ac:spMk id="3" creationId="{5AB14176-A9C1-DC24-D7AD-A9902551B848}"/>
+          </ac:spMkLst>
+        </pc:spChg>
+        <pc:picChg chg="add mod">
+          <ac:chgData name="MURATA Shogo(村田 翔悟)" userId="S::shogo.murata@avantcorp.com::e2eca410-15b2-4682-9db9-09d4b3f9b759" providerId="AD" clId="Web-{E001C265-D489-5A8B-BC3E-E63D6E402614}" dt="2025-07-30T09:03:37.845" v="38" actId="1076"/>
+          <ac:picMkLst>
+            <pc:docMk/>
+            <pc:sldMk cId="3886576122" sldId="264"/>
+            <ac:picMk id="4" creationId="{4331337E-E105-D2DE-6693-A4357EB6ABAB}"/>
+          </ac:picMkLst>
+        </pc:picChg>
+        <pc:picChg chg="add mod">
+          <ac:chgData name="MURATA Shogo(村田 翔悟)" userId="S::shogo.murata@avantcorp.com::e2eca410-15b2-4682-9db9-09d4b3f9b759" providerId="AD" clId="Web-{E001C265-D489-5A8B-BC3E-E63D6E402614}" dt="2025-07-30T09:03:34.314" v="36" actId="1076"/>
+          <ac:picMkLst>
+            <pc:docMk/>
+            <pc:sldMk cId="3886576122" sldId="264"/>
+            <ac:picMk id="5" creationId="{5456A7EA-3047-48B7-88FF-EBDF3A7539DD}"/>
           </ac:picMkLst>
         </pc:picChg>
       </pc:sldChg>
@@ -1498,11 +1529,26 @@
   </pc:docChgLst>
   <pc:docChgLst>
     <pc:chgData name="NISHIJIMA Yuki(西嶋 優輝)" userId="S::yuki.nishijima@avantcorp.com::94caf5ff-5ac4-4140-8b67-8eb479d2001e" providerId="AD" clId="Web-{FFB1A3AD-E1A2-E9C8-0D56-93002EFBD895}"/>
-    <pc:docChg chg="modSld">
-      <pc:chgData name="NISHIJIMA Yuki(西嶋 優輝)" userId="S::yuki.nishijima@avantcorp.com::94caf5ff-5ac4-4140-8b67-8eb479d2001e" providerId="AD" clId="Web-{FFB1A3AD-E1A2-E9C8-0D56-93002EFBD895}" dt="2025-07-30T08:51:07.317" v="59" actId="20577"/>
+    <pc:docChg chg="modSld sldOrd">
+      <pc:chgData name="NISHIJIMA Yuki(西嶋 優輝)" userId="S::yuki.nishijima@avantcorp.com::94caf5ff-5ac4-4140-8b67-8eb479d2001e" providerId="AD" clId="Web-{FFB1A3AD-E1A2-E9C8-0D56-93002EFBD895}" dt="2025-07-31T01:40:22.352" v="63" actId="20577"/>
       <pc:docMkLst>
         <pc:docMk/>
       </pc:docMkLst>
+      <pc:sldChg chg="modSp">
+        <pc:chgData name="NISHIJIMA Yuki(西嶋 優輝)" userId="S::yuki.nishijima@avantcorp.com::94caf5ff-5ac4-4140-8b67-8eb479d2001e" providerId="AD" clId="Web-{FFB1A3AD-E1A2-E9C8-0D56-93002EFBD895}" dt="2025-07-30T09:04:18.458" v="60" actId="20577"/>
+        <pc:sldMkLst>
+          <pc:docMk/>
+          <pc:sldMk cId="3549590042" sldId="256"/>
+        </pc:sldMkLst>
+        <pc:spChg chg="mod">
+          <ac:chgData name="NISHIJIMA Yuki(西嶋 優輝)" userId="S::yuki.nishijima@avantcorp.com::94caf5ff-5ac4-4140-8b67-8eb479d2001e" providerId="AD" clId="Web-{FFB1A3AD-E1A2-E9C8-0D56-93002EFBD895}" dt="2025-07-30T09:04:18.458" v="60" actId="20577"/>
+          <ac:spMkLst>
+            <pc:docMk/>
+            <pc:sldMk cId="3549590042" sldId="256"/>
+            <ac:spMk id="2" creationId="{7B4372CB-8CC1-49C5-D714-6A0964C240CC}"/>
+          </ac:spMkLst>
+        </pc:spChg>
+      </pc:sldChg>
       <pc:sldChg chg="modSp">
         <pc:chgData name="NISHIJIMA Yuki(西嶋 優輝)" userId="S::yuki.nishijima@avantcorp.com::94caf5ff-5ac4-4140-8b67-8eb479d2001e" providerId="AD" clId="Web-{FFB1A3AD-E1A2-E9C8-0D56-93002EFBD895}" dt="2025-07-30T07:42:28.536" v="40" actId="20577"/>
         <pc:sldMkLst>
@@ -1540,6 +1586,28 @@
             <ac:picMk id="4" creationId="{6D1EF2EA-7D14-6E52-1FCF-06D8BDDA60E3}"/>
           </ac:picMkLst>
         </pc:picChg>
+      </pc:sldChg>
+      <pc:sldChg chg="modSp">
+        <pc:chgData name="NISHIJIMA Yuki(西嶋 優輝)" userId="S::yuki.nishijima@avantcorp.com::94caf5ff-5ac4-4140-8b67-8eb479d2001e" providerId="AD" clId="Web-{FFB1A3AD-E1A2-E9C8-0D56-93002EFBD895}" dt="2025-07-31T01:40:22.352" v="63" actId="20577"/>
+        <pc:sldMkLst>
+          <pc:docMk/>
+          <pc:sldMk cId="4110398211" sldId="273"/>
+        </pc:sldMkLst>
+        <pc:spChg chg="mod">
+          <ac:chgData name="NISHIJIMA Yuki(西嶋 優輝)" userId="S::yuki.nishijima@avantcorp.com::94caf5ff-5ac4-4140-8b67-8eb479d2001e" providerId="AD" clId="Web-{FFB1A3AD-E1A2-E9C8-0D56-93002EFBD895}" dt="2025-07-31T01:40:22.352" v="63" actId="20577"/>
+          <ac:spMkLst>
+            <pc:docMk/>
+            <pc:sldMk cId="4110398211" sldId="273"/>
+            <ac:spMk id="3" creationId="{929AD31E-787A-126C-6726-24AAFA566783}"/>
+          </ac:spMkLst>
+        </pc:spChg>
+      </pc:sldChg>
+      <pc:sldChg chg="ord">
+        <pc:chgData name="NISHIJIMA Yuki(西嶋 優輝)" userId="S::yuki.nishijima@avantcorp.com::94caf5ff-5ac4-4140-8b67-8eb479d2001e" providerId="AD" clId="Web-{FFB1A3AD-E1A2-E9C8-0D56-93002EFBD895}" dt="2025-07-31T01:38:33.489" v="61"/>
+        <pc:sldMkLst>
+          <pc:docMk/>
+          <pc:sldMk cId="546560011" sldId="277"/>
+        </pc:sldMkLst>
       </pc:sldChg>
       <pc:sldChg chg="addSp delSp modSp">
         <pc:chgData name="NISHIJIMA Yuki(西嶋 優輝)" userId="S::yuki.nishijima@avantcorp.com::94caf5ff-5ac4-4140-8b67-8eb479d2001e" providerId="AD" clId="Web-{FFB1A3AD-E1A2-E9C8-0D56-93002EFBD895}" dt="2025-07-30T08:51:07.317" v="59" actId="20577"/>
@@ -1675,7 +1743,7 @@
           <a:p>
             <a:fld id="{CFC85741-0CFF-469F-9C77-12CB791A936C}" type="datetimeFigureOut">
               <a:rPr kumimoji="1" lang="ja-JP" altLang="en-US" smtClean="0"/>
-              <a:t>2025/7/30</a:t>
+              <a:t>2025/7/31</a:t>
             </a:fld>
             <a:endParaRPr kumimoji="1" lang="ja-JP" altLang="en-US"/>
           </a:p>
@@ -2066,7 +2134,7 @@
         <p:cNvPr id="1" name="">
           <a:extLst>
             <a:ext uri="{FF2B5EF4-FFF2-40B4-BE49-F238E27FC236}">
-              <a16:creationId xmlns:a16="http://schemas.microsoft.com/office/drawing/2014/main" id="{FAC4E2FC-FFA0-2C01-A236-BA95C950DB9E}"/>
+              <a16:creationId xmlns:a16="http://schemas.microsoft.com/office/drawing/2014/main" id="{EFD9D14B-906C-1394-671F-D4D40D80A2B7}"/>
             </a:ext>
           </a:extLst>
         </p:cNvPr>
@@ -2086,7 +2154,7 @@
           <p:cNvPr id="2" name="スライド イメージ プレースホルダー 1">
             <a:extLst>
               <a:ext uri="{FF2B5EF4-FFF2-40B4-BE49-F238E27FC236}">
-                <a16:creationId xmlns:a16="http://schemas.microsoft.com/office/drawing/2014/main" id="{A73DC506-97EE-BDEF-F31D-2C6131922AC3}"/>
+                <a16:creationId xmlns:a16="http://schemas.microsoft.com/office/drawing/2014/main" id="{B7309533-E302-E1C5-F531-CBB2979A11DF}"/>
               </a:ext>
             </a:extLst>
           </p:cNvPr>
@@ -2104,7 +2172,7 @@
           <p:cNvPr id="3" name="ノート プレースホルダー 2">
             <a:extLst>
               <a:ext uri="{FF2B5EF4-FFF2-40B4-BE49-F238E27FC236}">
-                <a16:creationId xmlns:a16="http://schemas.microsoft.com/office/drawing/2014/main" id="{EDCA8518-6164-6D25-11DC-CDAE80D92DBF}"/>
+                <a16:creationId xmlns:a16="http://schemas.microsoft.com/office/drawing/2014/main" id="{B2D51536-E2D8-9202-CBAA-70C5FAA01BA9}"/>
               </a:ext>
             </a:extLst>
           </p:cNvPr>
@@ -2129,7 +2197,7 @@
           <p:cNvPr id="4" name="スライド番号プレースホルダー 3">
             <a:extLst>
               <a:ext uri="{FF2B5EF4-FFF2-40B4-BE49-F238E27FC236}">
-                <a16:creationId xmlns:a16="http://schemas.microsoft.com/office/drawing/2014/main" id="{D0B1C0AB-C3C1-0B63-14E3-50824C753D0C}"/>
+                <a16:creationId xmlns:a16="http://schemas.microsoft.com/office/drawing/2014/main" id="{E5D55BA4-5264-31CA-1A55-38393B9B6837}"/>
               </a:ext>
             </a:extLst>
           </p:cNvPr>
@@ -2156,7 +2224,7 @@
     </p:spTree>
     <p:extLst>
       <p:ext uri="{BB962C8B-B14F-4D97-AF65-F5344CB8AC3E}">
-        <p14:creationId xmlns:p14="http://schemas.microsoft.com/office/powerpoint/2010/main" val="2760621179"/>
+        <p14:creationId xmlns:p14="http://schemas.microsoft.com/office/powerpoint/2010/main" val="1182096618"/>
       </p:ext>
     </p:extLst>
   </p:cSld>
@@ -2174,7 +2242,7 @@
         <p:cNvPr id="1" name="">
           <a:extLst>
             <a:ext uri="{FF2B5EF4-FFF2-40B4-BE49-F238E27FC236}">
-              <a16:creationId xmlns:a16="http://schemas.microsoft.com/office/drawing/2014/main" id="{EFD9D14B-906C-1394-671F-D4D40D80A2B7}"/>
+              <a16:creationId xmlns:a16="http://schemas.microsoft.com/office/drawing/2014/main" id="{FAC4E2FC-FFA0-2C01-A236-BA95C950DB9E}"/>
             </a:ext>
           </a:extLst>
         </p:cNvPr>
@@ -2194,7 +2262,7 @@
           <p:cNvPr id="2" name="スライド イメージ プレースホルダー 1">
             <a:extLst>
               <a:ext uri="{FF2B5EF4-FFF2-40B4-BE49-F238E27FC236}">
-                <a16:creationId xmlns:a16="http://schemas.microsoft.com/office/drawing/2014/main" id="{B7309533-E302-E1C5-F531-CBB2979A11DF}"/>
+                <a16:creationId xmlns:a16="http://schemas.microsoft.com/office/drawing/2014/main" id="{A73DC506-97EE-BDEF-F31D-2C6131922AC3}"/>
               </a:ext>
             </a:extLst>
           </p:cNvPr>
@@ -2212,7 +2280,7 @@
           <p:cNvPr id="3" name="ノート プレースホルダー 2">
             <a:extLst>
               <a:ext uri="{FF2B5EF4-FFF2-40B4-BE49-F238E27FC236}">
-                <a16:creationId xmlns:a16="http://schemas.microsoft.com/office/drawing/2014/main" id="{B2D51536-E2D8-9202-CBAA-70C5FAA01BA9}"/>
+                <a16:creationId xmlns:a16="http://schemas.microsoft.com/office/drawing/2014/main" id="{EDCA8518-6164-6D25-11DC-CDAE80D92DBF}"/>
               </a:ext>
             </a:extLst>
           </p:cNvPr>
@@ -2237,7 +2305,7 @@
           <p:cNvPr id="4" name="スライド番号プレースホルダー 3">
             <a:extLst>
               <a:ext uri="{FF2B5EF4-FFF2-40B4-BE49-F238E27FC236}">
-                <a16:creationId xmlns:a16="http://schemas.microsoft.com/office/drawing/2014/main" id="{E5D55BA4-5264-31CA-1A55-38393B9B6837}"/>
+                <a16:creationId xmlns:a16="http://schemas.microsoft.com/office/drawing/2014/main" id="{D0B1C0AB-C3C1-0B63-14E3-50824C753D0C}"/>
               </a:ext>
             </a:extLst>
           </p:cNvPr>
@@ -2264,7 +2332,7 @@
     </p:spTree>
     <p:extLst>
       <p:ext uri="{BB962C8B-B14F-4D97-AF65-F5344CB8AC3E}">
-        <p14:creationId xmlns:p14="http://schemas.microsoft.com/office/powerpoint/2010/main" val="1182096618"/>
+        <p14:creationId xmlns:p14="http://schemas.microsoft.com/office/powerpoint/2010/main" val="2760621179"/>
       </p:ext>
     </p:extLst>
   </p:cSld>
@@ -3285,7 +3353,7 @@
           <a:p>
             <a:fld id="{E961FC5D-6FA3-4522-93CA-0F464613C845}" type="datetimeFigureOut">
               <a:rPr kumimoji="1" lang="ja-JP" altLang="en-US" smtClean="0"/>
-              <a:t>2025/7/30</a:t>
+              <a:t>2025/7/31</a:t>
             </a:fld>
             <a:endParaRPr kumimoji="1" lang="ja-JP" altLang="en-US"/>
           </a:p>
@@ -3515,7 +3583,7 @@
           <a:p>
             <a:fld id="{E961FC5D-6FA3-4522-93CA-0F464613C845}" type="datetimeFigureOut">
               <a:rPr kumimoji="1" lang="ja-JP" altLang="en-US" smtClean="0"/>
-              <a:t>2025/7/30</a:t>
+              <a:t>2025/7/31</a:t>
             </a:fld>
             <a:endParaRPr kumimoji="1" lang="ja-JP" altLang="en-US"/>
           </a:p>
@@ -3755,7 +3823,7 @@
           <a:p>
             <a:fld id="{E961FC5D-6FA3-4522-93CA-0F464613C845}" type="datetimeFigureOut">
               <a:rPr kumimoji="1" lang="ja-JP" altLang="en-US" smtClean="0"/>
-              <a:t>2025/7/30</a:t>
+              <a:t>2025/7/31</a:t>
             </a:fld>
             <a:endParaRPr kumimoji="1" lang="ja-JP" altLang="en-US"/>
           </a:p>
@@ -3985,7 +4053,7 @@
           <a:p>
             <a:fld id="{E961FC5D-6FA3-4522-93CA-0F464613C845}" type="datetimeFigureOut">
               <a:rPr kumimoji="1" lang="ja-JP" altLang="en-US" smtClean="0"/>
-              <a:t>2025/7/30</a:t>
+              <a:t>2025/7/31</a:t>
             </a:fld>
             <a:endParaRPr kumimoji="1" lang="ja-JP" altLang="en-US"/>
           </a:p>
@@ -4260,7 +4328,7 @@
           <a:p>
             <a:fld id="{E961FC5D-6FA3-4522-93CA-0F464613C845}" type="datetimeFigureOut">
               <a:rPr kumimoji="1" lang="ja-JP" altLang="en-US" smtClean="0"/>
-              <a:t>2025/7/30</a:t>
+              <a:t>2025/7/31</a:t>
             </a:fld>
             <a:endParaRPr kumimoji="1" lang="ja-JP" altLang="en-US"/>
           </a:p>
@@ -4589,7 +4657,7 @@
           <a:p>
             <a:fld id="{E961FC5D-6FA3-4522-93CA-0F464613C845}" type="datetimeFigureOut">
               <a:rPr kumimoji="1" lang="ja-JP" altLang="en-US" smtClean="0"/>
-              <a:t>2025/7/30</a:t>
+              <a:t>2025/7/31</a:t>
             </a:fld>
             <a:endParaRPr kumimoji="1" lang="ja-JP" altLang="en-US"/>
           </a:p>
@@ -5065,7 +5133,7 @@
           <a:p>
             <a:fld id="{E961FC5D-6FA3-4522-93CA-0F464613C845}" type="datetimeFigureOut">
               <a:rPr kumimoji="1" lang="ja-JP" altLang="en-US" smtClean="0"/>
-              <a:t>2025/7/30</a:t>
+              <a:t>2025/7/31</a:t>
             </a:fld>
             <a:endParaRPr kumimoji="1" lang="ja-JP" altLang="en-US"/>
           </a:p>
@@ -5206,7 +5274,7 @@
           <a:p>
             <a:fld id="{E961FC5D-6FA3-4522-93CA-0F464613C845}" type="datetimeFigureOut">
               <a:rPr kumimoji="1" lang="ja-JP" altLang="en-US" smtClean="0"/>
-              <a:t>2025/7/30</a:t>
+              <a:t>2025/7/31</a:t>
             </a:fld>
             <a:endParaRPr kumimoji="1" lang="ja-JP" altLang="en-US"/>
           </a:p>
@@ -5319,7 +5387,7 @@
           <a:p>
             <a:fld id="{E961FC5D-6FA3-4522-93CA-0F464613C845}" type="datetimeFigureOut">
               <a:rPr kumimoji="1" lang="ja-JP" altLang="en-US" smtClean="0"/>
-              <a:t>2025/7/30</a:t>
+              <a:t>2025/7/31</a:t>
             </a:fld>
             <a:endParaRPr kumimoji="1" lang="ja-JP" altLang="en-US"/>
           </a:p>
@@ -5662,7 +5730,7 @@
           <a:p>
             <a:fld id="{E961FC5D-6FA3-4522-93CA-0F464613C845}" type="datetimeFigureOut">
               <a:rPr kumimoji="1" lang="ja-JP" altLang="en-US" smtClean="0"/>
-              <a:t>2025/7/30</a:t>
+              <a:t>2025/7/31</a:t>
             </a:fld>
             <a:endParaRPr kumimoji="1" lang="ja-JP" altLang="en-US"/>
           </a:p>
@@ -5950,7 +6018,7 @@
           <a:p>
             <a:fld id="{E961FC5D-6FA3-4522-93CA-0F464613C845}" type="datetimeFigureOut">
               <a:rPr kumimoji="1" lang="ja-JP" altLang="en-US" smtClean="0"/>
-              <a:t>2025/7/30</a:t>
+              <a:t>2025/7/31</a:t>
             </a:fld>
             <a:endParaRPr kumimoji="1" lang="ja-JP" altLang="en-US"/>
           </a:p>
@@ -6223,7 +6291,7 @@
           <a:p>
             <a:fld id="{E961FC5D-6FA3-4522-93CA-0F464613C845}" type="datetimeFigureOut">
               <a:rPr kumimoji="1" lang="ja-JP" altLang="en-US" smtClean="0"/>
-              <a:t>2025/7/30</a:t>
+              <a:t>2025/7/31</a:t>
             </a:fld>
             <a:endParaRPr kumimoji="1" lang="ja-JP" altLang="en-US"/>
           </a:p>
@@ -6661,6 +6729,12 @@
           <a:bodyPr/>
           <a:lstStyle/>
           <a:p>
+            <a:r>
+              <a:rPr lang="ja-JP" altLang="en-US">
+                <a:ea typeface="游ゴシック Light"/>
+              </a:rPr>
+              <a:t>成果発表</a:t>
+            </a:r>
             <a:endParaRPr kumimoji="1" lang="ja-JP" altLang="en-US"/>
           </a:p>
         </p:txBody>
@@ -9134,14 +9208,11 @@
               <a:buChar char="o"/>
             </a:pPr>
             <a:r>
-              <a:rPr lang="en-US" altLang="ja-JP" err="1">
-                <a:ea typeface="游ゴシック"/>
-              </a:rPr>
-              <a:t>javaの理解</a:t>
-            </a:r>
-            <a:endParaRPr lang="en-US" altLang="ja-JP">
-              <a:ea typeface="游ゴシック"/>
-            </a:endParaRPr>
+              <a:rPr lang="en-US" altLang="ja-JP">
+                <a:ea typeface="游ゴシック"/>
+              </a:rPr>
+              <a:t>Javaの理解</a:t>
+            </a:r>
           </a:p>
           <a:p>
             <a:r>
@@ -10046,7 +10117,7 @@
         <p:cNvPr id="1" name="">
           <a:extLst>
             <a:ext uri="{FF2B5EF4-FFF2-40B4-BE49-F238E27FC236}">
-              <a16:creationId xmlns:a16="http://schemas.microsoft.com/office/drawing/2014/main" id="{469E89E1-2ADE-59D2-EDB2-17D7FC397048}"/>
+              <a16:creationId xmlns:a16="http://schemas.microsoft.com/office/drawing/2014/main" id="{675766E5-8D6A-7A53-6347-3FAA6AB7FB48}"/>
             </a:ext>
           </a:extLst>
         </p:cNvPr>
@@ -10066,7 +10137,7 @@
           <p:cNvPr id="2" name="タイトル 1">
             <a:extLst>
               <a:ext uri="{FF2B5EF4-FFF2-40B4-BE49-F238E27FC236}">
-                <a16:creationId xmlns:a16="http://schemas.microsoft.com/office/drawing/2014/main" id="{08BBBA92-212F-B2EF-2686-5F3834CB4E49}"/>
+                <a16:creationId xmlns:a16="http://schemas.microsoft.com/office/drawing/2014/main" id="{ABC32292-775B-7EE5-0F2A-20E5B629B558}"/>
               </a:ext>
             </a:extLst>
           </p:cNvPr>
@@ -10090,205 +10161,78 @@
           <a:lstStyle/>
           <a:p>
             <a:r>
-              <a:rPr kumimoji="1" lang="ja-JP" altLang="en-US" sz="3600"/>
-              <a:t>今後の展望</a:t>
-            </a:r>
-          </a:p>
-        </p:txBody>
-      </p:sp>
-      <p:sp>
-        <p:nvSpPr>
-          <p:cNvPr id="3" name="コンテンツ プレースホルダー 2">
-            <a:extLst>
-              <a:ext uri="{FF2B5EF4-FFF2-40B4-BE49-F238E27FC236}">
-                <a16:creationId xmlns:a16="http://schemas.microsoft.com/office/drawing/2014/main" id="{4CC69028-7C21-341A-64FB-A97735C20FF6}"/>
-              </a:ext>
-            </a:extLst>
-          </p:cNvPr>
-          <p:cNvSpPr>
-            <a:spLocks noGrp="1"/>
-          </p:cNvSpPr>
-          <p:nvPr>
-            <p:ph idx="1"/>
-          </p:nvPr>
+              <a:rPr lang="ja-JP" altLang="en-US" sz="3600"/>
+              <a:t>成果物の紹介</a:t>
+            </a:r>
+            <a:endParaRPr kumimoji="1" lang="ja-JP" altLang="en-US" sz="3600"/>
+          </a:p>
+        </p:txBody>
+      </p:sp>
+      <p:sp>
+        <p:nvSpPr>
+          <p:cNvPr id="4" name="テキスト ボックス 3">
+            <a:extLst>
+              <a:ext uri="{FF2B5EF4-FFF2-40B4-BE49-F238E27FC236}">
+                <a16:creationId xmlns:a16="http://schemas.microsoft.com/office/drawing/2014/main" id="{B3C0EFB6-4C5F-6A66-2826-58C6ABA08A83}"/>
+              </a:ext>
+            </a:extLst>
+          </p:cNvPr>
+          <p:cNvSpPr txBox="1"/>
+          <p:nvPr/>
         </p:nvSpPr>
         <p:spPr>
           <a:xfrm>
-            <a:off x="838200" y="1131359"/>
-            <a:ext cx="10515600" cy="5361515"/>
+            <a:off x="1066800" y="1879600"/>
+            <a:ext cx="9931402" cy="2246769"/>
           </a:xfrm>
+          <a:prstGeom prst="rect">
+            <a:avLst/>
+          </a:prstGeom>
+          <a:noFill/>
         </p:spPr>
         <p:txBody>
-          <a:bodyPr vert="horz" lIns="91440" tIns="45720" rIns="91440" bIns="45720" rtlCol="0" anchor="t">
-            <a:normAutofit/>
+          <a:bodyPr wrap="square" lIns="91440" tIns="45720" rIns="91440" bIns="45720" rtlCol="0" anchor="t">
+            <a:spAutoFit/>
           </a:bodyPr>
           <a:lstStyle/>
           <a:p>
-            <a:pPr>
-              <a:buFont typeface="Arial" panose="05000000000000000000" pitchFamily="2" charset="2"/>
-              <a:buChar char="•"/>
-            </a:pPr>
-            <a:r>
-              <a:rPr lang="ja-JP" altLang="en-US" b="1"/>
-              <a:t>追加したかった機能</a:t>
-            </a:r>
-            <a:endParaRPr lang="en-US" altLang="ja-JP"/>
-          </a:p>
-          <a:p>
-            <a:pPr lvl="1">
-              <a:buFont typeface="Courier New" panose="020B0400000000000000" pitchFamily="50" charset="-128"/>
-              <a:buChar char="o"/>
-            </a:pPr>
-            <a:r>
-              <a:rPr lang="ja-JP" altLang="en-US"/>
-              <a:t>ログイン機能（顧客側</a:t>
-            </a:r>
-            <a:r>
-              <a:rPr lang="en-US" altLang="ja-JP"/>
-              <a:t>/</a:t>
-            </a:r>
-            <a:r>
-              <a:rPr lang="ja-JP" altLang="en-US"/>
-              <a:t>管理者ともに）</a:t>
-            </a:r>
-          </a:p>
-          <a:p>
-            <a:pPr lvl="1">
-              <a:buFont typeface="Courier New" panose="020B0400000000000000" pitchFamily="50" charset="-128"/>
-              <a:buChar char="o"/>
-            </a:pPr>
-            <a:r>
-              <a:rPr lang="ja-JP" altLang="en-US"/>
-              <a:t>ＣＳＶインポート機能</a:t>
-            </a:r>
-            <a:endParaRPr lang="en-US" altLang="ja-JP"/>
-          </a:p>
-          <a:p>
-            <a:pPr lvl="1">
-              <a:buFont typeface="Courier New" panose="020B0400000000000000" pitchFamily="50" charset="-128"/>
-              <a:buChar char="o"/>
-            </a:pPr>
-            <a:r>
-              <a:rPr lang="ja-JP" altLang="en-US"/>
-              <a:t>決済機能</a:t>
-            </a:r>
-            <a:endParaRPr lang="en-US" altLang="ja-JP"/>
-          </a:p>
-          <a:p>
-            <a:pPr lvl="1">
-              <a:buFont typeface="Courier New" panose="020B0400000000000000" pitchFamily="50" charset="-128"/>
-              <a:buChar char="o"/>
-            </a:pPr>
-            <a:r>
-              <a:rPr lang="ja-JP" altLang="en-US"/>
-              <a:t>地域別配送料設定機能</a:t>
-            </a:r>
-            <a:endParaRPr lang="en-US" altLang="ja-JP"/>
-          </a:p>
-          <a:p>
-            <a:pPr>
-              <a:buFont typeface="Arial" panose="05000000000000000000" pitchFamily="2" charset="2"/>
-              <a:buChar char="•"/>
-            </a:pPr>
-            <a:r>
-              <a:rPr lang="ja-JP" altLang="en-US" b="1"/>
-              <a:t>今回発見された課題と対策</a:t>
-            </a:r>
-            <a:endParaRPr lang="en-US" altLang="ja-JP" b="1"/>
-          </a:p>
-          <a:p>
-            <a:pPr lvl="1">
-              <a:buFont typeface="Courier New" panose="05000000000000000000" pitchFamily="2" charset="2"/>
-              <a:buChar char="o"/>
-            </a:pPr>
-            <a:r>
-              <a:rPr lang="ja-JP" altLang="en-US"/>
-              <a:t>課題</a:t>
-            </a:r>
-            <a:endParaRPr lang="en-US" altLang="ja-JP"/>
-          </a:p>
-          <a:p>
-            <a:pPr lvl="2">
-              <a:buFont typeface="Wingdings" panose="05000000000000000000" pitchFamily="2" charset="2"/>
-              <a:buChar char="§"/>
-            </a:pPr>
-            <a:r>
-              <a:rPr lang="ja-JP" altLang="en-US"/>
-              <a:t>競合が多発した</a:t>
-            </a:r>
-            <a:endParaRPr lang="en-US" altLang="ja-JP"/>
-          </a:p>
-          <a:p>
-            <a:pPr lvl="1">
-              <a:buFont typeface="Courier New" panose="05000000000000000000" pitchFamily="2" charset="2"/>
-              <a:buChar char="o"/>
-            </a:pPr>
-            <a:r>
-              <a:rPr lang="ja-JP" altLang="en-US"/>
-              <a:t>原因</a:t>
-            </a:r>
-            <a:endParaRPr lang="en-US" altLang="ja-JP"/>
-          </a:p>
-          <a:p>
-            <a:pPr lvl="2">
-              <a:buFont typeface="Wingdings" panose="05000000000000000000" pitchFamily="2" charset="2"/>
-              <a:buChar char="§"/>
-            </a:pPr>
-            <a:r>
-              <a:rPr lang="ja-JP" altLang="en-US"/>
-              <a:t>役割分担はできていたが具体的な作業内容を考慮しておらず、同じファイルを別の役割のメンバーが同時に編集していた</a:t>
-            </a:r>
-            <a:endParaRPr lang="en-US" altLang="ja-JP"/>
-          </a:p>
-          <a:p>
-            <a:pPr lvl="2">
-              <a:buFont typeface="Wingdings" panose="05000000000000000000" pitchFamily="2" charset="2"/>
-              <a:buChar char="§"/>
-            </a:pPr>
-            <a:r>
-              <a:rPr lang="en-US" altLang="ja-JP"/>
-              <a:t>pull</a:t>
-            </a:r>
-            <a:r>
-              <a:rPr lang="ja-JP" altLang="en-US"/>
-              <a:t>するタイミングを決めていない</a:t>
-            </a:r>
-            <a:endParaRPr lang="en-US" altLang="ja-JP"/>
-          </a:p>
-          <a:p>
-            <a:pPr lvl="1">
-              <a:buFont typeface="Courier New" panose="05000000000000000000" pitchFamily="2" charset="2"/>
-              <a:buChar char="o"/>
-            </a:pPr>
-            <a:r>
-              <a:rPr lang="ja-JP" altLang="en-US"/>
-              <a:t>対策</a:t>
-            </a:r>
-            <a:endParaRPr lang="en-US" altLang="ja-JP"/>
-          </a:p>
-          <a:p>
-            <a:pPr lvl="2">
-              <a:buFont typeface="Wingdings" panose="05000000000000000000" pitchFamily="2" charset="2"/>
-              <a:buChar char="§"/>
-            </a:pPr>
-            <a:r>
-              <a:rPr lang="ja-JP" altLang="en-US"/>
-              <a:t>作業開始前に作業のルール設定を欠かさずに行う</a:t>
-            </a:r>
-          </a:p>
-          <a:p>
-            <a:pPr lvl="2">
-              <a:buFont typeface="Wingdings" panose="020B0604020202020204" pitchFamily="34" charset="0"/>
-              <a:buChar char="§"/>
-            </a:pPr>
-            <a:endParaRPr lang="en-US" altLang="ja-JP"/>
+            <a:r>
+              <a:rPr lang="en-US" altLang="ja-JP" sz="2800">
+                <a:ea typeface="游ゴシック"/>
+                <a:hlinkClick r:id="rId3"/>
+              </a:rPr>
+              <a:t>Raffiné Home.</a:t>
+            </a:r>
+            <a:endParaRPr lang="en-US" altLang="ja-JP" sz="2800">
+              <a:ea typeface="游ゴシック"/>
+            </a:endParaRPr>
+          </a:p>
+          <a:p>
+            <a:endParaRPr kumimoji="1" lang="en-US" altLang="ja-JP" sz="2800"/>
+          </a:p>
+          <a:p>
+            <a:endParaRPr lang="en-US" altLang="ja-JP" sz="2800"/>
+          </a:p>
+          <a:p>
+            <a:r>
+              <a:rPr lang="ja-JP" altLang="en-US" sz="2800">
+                <a:ea typeface="游ゴシック"/>
+                <a:hlinkClick r:id="rId4"/>
+              </a:rPr>
+              <a:t>商品一覧（管理者）</a:t>
+            </a:r>
+          </a:p>
+          <a:p>
+            <a:endParaRPr lang="ja-JP" altLang="en-US" sz="2800">
+              <a:ea typeface="游ゴシック"/>
+            </a:endParaRPr>
           </a:p>
         </p:txBody>
       </p:sp>
     </p:spTree>
     <p:extLst>
       <p:ext uri="{BB962C8B-B14F-4D97-AF65-F5344CB8AC3E}">
-        <p14:creationId xmlns:p14="http://schemas.microsoft.com/office/powerpoint/2010/main" val="546560011"/>
+        <p14:creationId xmlns:p14="http://schemas.microsoft.com/office/powerpoint/2010/main" val="85117907"/>
       </p:ext>
     </p:extLst>
   </p:cSld>
@@ -10306,7 +10250,7 @@
         <p:cNvPr id="1" name="">
           <a:extLst>
             <a:ext uri="{FF2B5EF4-FFF2-40B4-BE49-F238E27FC236}">
-              <a16:creationId xmlns:a16="http://schemas.microsoft.com/office/drawing/2014/main" id="{675766E5-8D6A-7A53-6347-3FAA6AB7FB48}"/>
+              <a16:creationId xmlns:a16="http://schemas.microsoft.com/office/drawing/2014/main" id="{469E89E1-2ADE-59D2-EDB2-17D7FC397048}"/>
             </a:ext>
           </a:extLst>
         </p:cNvPr>
@@ -10326,7 +10270,7 @@
           <p:cNvPr id="2" name="タイトル 1">
             <a:extLst>
               <a:ext uri="{FF2B5EF4-FFF2-40B4-BE49-F238E27FC236}">
-                <a16:creationId xmlns:a16="http://schemas.microsoft.com/office/drawing/2014/main" id="{ABC32292-775B-7EE5-0F2A-20E5B629B558}"/>
+                <a16:creationId xmlns:a16="http://schemas.microsoft.com/office/drawing/2014/main" id="{08BBBA92-212F-B2EF-2686-5F3834CB4E49}"/>
               </a:ext>
             </a:extLst>
           </p:cNvPr>
@@ -10350,78 +10294,209 @@
           <a:lstStyle/>
           <a:p>
             <a:r>
-              <a:rPr lang="ja-JP" altLang="en-US" sz="3600"/>
-              <a:t>成果物の紹介</a:t>
-            </a:r>
-            <a:endParaRPr kumimoji="1" lang="ja-JP" altLang="en-US" sz="3600"/>
-          </a:p>
-        </p:txBody>
-      </p:sp>
-      <p:sp>
-        <p:nvSpPr>
-          <p:cNvPr id="4" name="テキスト ボックス 3">
-            <a:extLst>
-              <a:ext uri="{FF2B5EF4-FFF2-40B4-BE49-F238E27FC236}">
-                <a16:creationId xmlns:a16="http://schemas.microsoft.com/office/drawing/2014/main" id="{B3C0EFB6-4C5F-6A66-2826-58C6ABA08A83}"/>
-              </a:ext>
-            </a:extLst>
-          </p:cNvPr>
-          <p:cNvSpPr txBox="1"/>
-          <p:nvPr/>
+              <a:rPr kumimoji="1" lang="ja-JP" altLang="en-US" sz="3600"/>
+              <a:t>今後の展望</a:t>
+            </a:r>
+          </a:p>
+        </p:txBody>
+      </p:sp>
+      <p:sp>
+        <p:nvSpPr>
+          <p:cNvPr id="3" name="コンテンツ プレースホルダー 2">
+            <a:extLst>
+              <a:ext uri="{FF2B5EF4-FFF2-40B4-BE49-F238E27FC236}">
+                <a16:creationId xmlns:a16="http://schemas.microsoft.com/office/drawing/2014/main" id="{4CC69028-7C21-341A-64FB-A97735C20FF6}"/>
+              </a:ext>
+            </a:extLst>
+          </p:cNvPr>
+          <p:cNvSpPr>
+            <a:spLocks noGrp="1"/>
+          </p:cNvSpPr>
+          <p:nvPr>
+            <p:ph idx="1"/>
+          </p:nvPr>
         </p:nvSpPr>
         <p:spPr>
           <a:xfrm>
-            <a:off x="1066800" y="1879600"/>
-            <a:ext cx="9931402" cy="2246769"/>
+            <a:off x="838200" y="1131359"/>
+            <a:ext cx="10515600" cy="5361515"/>
           </a:xfrm>
-          <a:prstGeom prst="rect">
-            <a:avLst/>
-          </a:prstGeom>
-          <a:noFill/>
         </p:spPr>
         <p:txBody>
-          <a:bodyPr wrap="square" lIns="91440" tIns="45720" rIns="91440" bIns="45720" rtlCol="0" anchor="t">
-            <a:spAutoFit/>
+          <a:bodyPr vert="horz" lIns="91440" tIns="45720" rIns="91440" bIns="45720" rtlCol="0" anchor="t">
+            <a:normAutofit/>
           </a:bodyPr>
           <a:lstStyle/>
           <a:p>
-            <a:r>
-              <a:rPr lang="en-US" altLang="ja-JP" sz="2800">
-                <a:ea typeface="游ゴシック"/>
-                <a:hlinkClick r:id="rId3"/>
-              </a:rPr>
-              <a:t>Raffiné Home.</a:t>
-            </a:r>
-            <a:endParaRPr lang="en-US" altLang="ja-JP" sz="2800">
-              <a:ea typeface="游ゴシック"/>
-            </a:endParaRPr>
-          </a:p>
-          <a:p>
-            <a:endParaRPr kumimoji="1" lang="en-US" altLang="ja-JP" sz="2800"/>
-          </a:p>
-          <a:p>
-            <a:endParaRPr lang="en-US" altLang="ja-JP" sz="2800"/>
-          </a:p>
-          <a:p>
-            <a:r>
-              <a:rPr lang="ja-JP" altLang="en-US" sz="2800">
-                <a:ea typeface="游ゴシック"/>
-                <a:hlinkClick r:id="rId4"/>
-              </a:rPr>
-              <a:t>商品一覧（管理者）</a:t>
-            </a:r>
-          </a:p>
-          <a:p>
-            <a:endParaRPr lang="ja-JP" altLang="en-US" sz="2800">
-              <a:ea typeface="游ゴシック"/>
-            </a:endParaRPr>
+            <a:pPr>
+              <a:buFont typeface="Arial" panose="05000000000000000000" pitchFamily="2" charset="2"/>
+              <a:buChar char="•"/>
+            </a:pPr>
+            <a:r>
+              <a:rPr lang="ja-JP" altLang="en-US" b="1" dirty="0"/>
+              <a:t>追加したかった機能</a:t>
+            </a:r>
+            <a:endParaRPr lang="en-US" altLang="ja-JP" dirty="0"/>
+          </a:p>
+          <a:p>
+            <a:pPr lvl="1">
+              <a:buFont typeface="Courier New" panose="020B0400000000000000" pitchFamily="50" charset="-128"/>
+              <a:buChar char="o"/>
+            </a:pPr>
+            <a:r>
+              <a:rPr lang="ja-JP" altLang="en-US" dirty="0"/>
+              <a:t>ログイン機能（顧客側</a:t>
+            </a:r>
+            <a:r>
+              <a:rPr lang="en-US" altLang="ja-JP" dirty="0"/>
+              <a:t>/</a:t>
+            </a:r>
+            <a:r>
+              <a:rPr lang="ja-JP" altLang="en-US" dirty="0"/>
+              <a:t>管理者ともに）</a:t>
+            </a:r>
+          </a:p>
+          <a:p>
+            <a:pPr lvl="1">
+              <a:buFont typeface="Courier New" panose="020B0400000000000000" pitchFamily="50" charset="-128"/>
+              <a:buChar char="o"/>
+            </a:pPr>
+            <a:r>
+              <a:rPr lang="ja-JP" altLang="en-US" dirty="0"/>
+              <a:t>ＣＳＶインポート機能</a:t>
+            </a:r>
+            <a:endParaRPr lang="en-US" altLang="ja-JP" dirty="0"/>
+          </a:p>
+          <a:p>
+            <a:pPr lvl="1">
+              <a:buFont typeface="Courier New" panose="020B0400000000000000" pitchFamily="50" charset="-128"/>
+              <a:buChar char="o"/>
+            </a:pPr>
+            <a:r>
+              <a:rPr lang="ja-JP" altLang="en-US" dirty="0"/>
+              <a:t>決済機能</a:t>
+            </a:r>
+            <a:endParaRPr lang="en-US" altLang="ja-JP" dirty="0"/>
+          </a:p>
+          <a:p>
+            <a:pPr lvl="1">
+              <a:buFont typeface="Courier New" panose="020B0400000000000000" pitchFamily="50" charset="-128"/>
+              <a:buChar char="o"/>
+            </a:pPr>
+            <a:r>
+              <a:rPr lang="ja-JP" altLang="en-US" dirty="0"/>
+              <a:t>地域別配送料設定機能</a:t>
+            </a:r>
+            <a:endParaRPr lang="en-US" altLang="ja-JP" dirty="0"/>
+          </a:p>
+          <a:p>
+            <a:pPr>
+              <a:buFont typeface="Arial" panose="05000000000000000000" pitchFamily="2" charset="2"/>
+              <a:buChar char="•"/>
+            </a:pPr>
+            <a:r>
+              <a:rPr lang="ja-JP" altLang="en-US" b="1" dirty="0"/>
+              <a:t>今回発見された課題と対策</a:t>
+            </a:r>
+            <a:endParaRPr lang="en-US" altLang="ja-JP" b="1" dirty="0"/>
+          </a:p>
+          <a:p>
+            <a:pPr lvl="1">
+              <a:buFont typeface="Courier New" panose="05000000000000000000" pitchFamily="2" charset="2"/>
+              <a:buChar char="o"/>
+            </a:pPr>
+            <a:r>
+              <a:rPr lang="ja-JP" altLang="en-US" dirty="0"/>
+              <a:t>課題</a:t>
+            </a:r>
+            <a:endParaRPr lang="en-US" altLang="ja-JP" dirty="0"/>
+          </a:p>
+          <a:p>
+            <a:pPr lvl="2">
+              <a:buFont typeface="Wingdings" panose="05000000000000000000" pitchFamily="2" charset="2"/>
+              <a:buChar char="§"/>
+            </a:pPr>
+            <a:r>
+              <a:rPr lang="en-US" altLang="ja-JP" dirty="0" err="1"/>
+              <a:t>Github</a:t>
+            </a:r>
+            <a:r>
+              <a:rPr lang="ja-JP" altLang="en-US"/>
+              <a:t>でファイル管理をする際に競合が多発した</a:t>
+            </a:r>
+            <a:endParaRPr lang="en-US" altLang="ja-JP" dirty="0"/>
+          </a:p>
+          <a:p>
+            <a:pPr lvl="1">
+              <a:buFont typeface="Courier New" panose="05000000000000000000" pitchFamily="2" charset="2"/>
+              <a:buChar char="o"/>
+            </a:pPr>
+            <a:r>
+              <a:rPr lang="ja-JP" altLang="en-US" dirty="0"/>
+              <a:t>原因</a:t>
+            </a:r>
+            <a:endParaRPr lang="en-US" altLang="ja-JP" dirty="0"/>
+          </a:p>
+          <a:p>
+            <a:pPr lvl="2">
+              <a:buFont typeface="Wingdings" panose="05000000000000000000" pitchFamily="2" charset="2"/>
+              <a:buChar char="§"/>
+            </a:pPr>
+            <a:r>
+              <a:rPr lang="ja-JP" altLang="en-US" dirty="0"/>
+              <a:t>役割分担はできていたが具体的な作業内容を考慮しておらず、同じファイルを別の役割のメンバーが同時に編集していた</a:t>
+            </a:r>
+            <a:endParaRPr lang="en-US" altLang="ja-JP" dirty="0"/>
+          </a:p>
+          <a:p>
+            <a:pPr lvl="2">
+              <a:buFont typeface="Wingdings" panose="05000000000000000000" pitchFamily="2" charset="2"/>
+              <a:buChar char="§"/>
+            </a:pPr>
+            <a:r>
+              <a:rPr lang="en-US" altLang="ja-JP" dirty="0"/>
+              <a:t>pull</a:t>
+            </a:r>
+            <a:r>
+              <a:rPr lang="ja-JP" altLang="en-US" dirty="0"/>
+              <a:t>するタイミングを決めていない</a:t>
+            </a:r>
+            <a:endParaRPr lang="en-US" altLang="ja-JP" dirty="0"/>
+          </a:p>
+          <a:p>
+            <a:pPr lvl="1">
+              <a:buFont typeface="Courier New" panose="05000000000000000000" pitchFamily="2" charset="2"/>
+              <a:buChar char="o"/>
+            </a:pPr>
+            <a:r>
+              <a:rPr lang="ja-JP" altLang="en-US" dirty="0"/>
+              <a:t>対策</a:t>
+            </a:r>
+            <a:endParaRPr lang="en-US" altLang="ja-JP" dirty="0"/>
+          </a:p>
+          <a:p>
+            <a:pPr lvl="2">
+              <a:buFont typeface="Wingdings" panose="05000000000000000000" pitchFamily="2" charset="2"/>
+              <a:buChar char="§"/>
+            </a:pPr>
+            <a:r>
+              <a:rPr lang="ja-JP" altLang="en-US" dirty="0"/>
+              <a:t>作業開始前に作業のルール設定を欠かさずに行う</a:t>
+            </a:r>
+          </a:p>
+          <a:p>
+            <a:pPr lvl="2">
+              <a:buFont typeface="Wingdings" panose="020B0604020202020204" pitchFamily="34" charset="0"/>
+              <a:buChar char="§"/>
+            </a:pPr>
+            <a:endParaRPr lang="en-US" altLang="ja-JP" dirty="0"/>
           </a:p>
         </p:txBody>
       </p:sp>
     </p:spTree>
     <p:extLst>
       <p:ext uri="{BB962C8B-B14F-4D97-AF65-F5344CB8AC3E}">
-        <p14:creationId xmlns:p14="http://schemas.microsoft.com/office/powerpoint/2010/main" val="85117907"/>
+        <p14:creationId xmlns:p14="http://schemas.microsoft.com/office/powerpoint/2010/main" val="546560011"/>
       </p:ext>
     </p:extLst>
   </p:cSld>
@@ -12005,36 +12080,66 @@
           </a:p>
         </p:txBody>
       </p:sp>
-      <p:sp>
-        <p:nvSpPr>
-          <p:cNvPr id="3" name="コンテンツ プレースホルダー 2">
-            <a:extLst>
-              <a:ext uri="{FF2B5EF4-FFF2-40B4-BE49-F238E27FC236}">
-                <a16:creationId xmlns:a16="http://schemas.microsoft.com/office/drawing/2014/main" id="{5AB14176-A9C1-DC24-D7AD-A9902551B848}"/>
-              </a:ext>
-            </a:extLst>
-          </p:cNvPr>
-          <p:cNvSpPr>
-            <a:spLocks noGrp="1"/>
-          </p:cNvSpPr>
-          <p:nvPr>
-            <p:ph idx="1"/>
-          </p:nvPr>
-        </p:nvSpPr>
+      <p:pic>
+        <p:nvPicPr>
+          <p:cNvPr id="4" name="Picture 3">
+            <a:extLst>
+              <a:ext uri="{FF2B5EF4-FFF2-40B4-BE49-F238E27FC236}">
+                <a16:creationId xmlns:a16="http://schemas.microsoft.com/office/drawing/2014/main" id="{4331337E-E105-D2DE-6693-A4357EB6ABAB}"/>
+              </a:ext>
+            </a:extLst>
+          </p:cNvPr>
+          <p:cNvPicPr>
+            <a:picLocks noChangeAspect="1"/>
+          </p:cNvPicPr>
+          <p:nvPr/>
+        </p:nvPicPr>
+        <p:blipFill>
+          <a:blip r:embed="rId2"/>
+          <a:stretch>
+            <a:fillRect/>
+          </a:stretch>
+        </p:blipFill>
         <p:spPr>
           <a:xfrm>
-            <a:off x="838200" y="1131359"/>
-            <a:ext cx="10515600" cy="5361515"/>
+            <a:off x="260251" y="1103931"/>
+            <a:ext cx="5022565" cy="4881482"/>
           </a:xfrm>
+          <a:prstGeom prst="rect">
+            <a:avLst/>
+          </a:prstGeom>
         </p:spPr>
-        <p:txBody>
-          <a:bodyPr/>
-          <a:lstStyle/>
-          <a:p>
-            <a:endParaRPr lang="en-US" altLang="ja-JP"/>
-          </a:p>
-        </p:txBody>
-      </p:sp>
+      </p:pic>
+      <p:pic>
+        <p:nvPicPr>
+          <p:cNvPr id="5" name="Picture 4">
+            <a:extLst>
+              <a:ext uri="{FF2B5EF4-FFF2-40B4-BE49-F238E27FC236}">
+                <a16:creationId xmlns:a16="http://schemas.microsoft.com/office/drawing/2014/main" id="{5456A7EA-3047-48B7-88FF-EBDF3A7539DD}"/>
+              </a:ext>
+            </a:extLst>
+          </p:cNvPr>
+          <p:cNvPicPr>
+            <a:picLocks noChangeAspect="1"/>
+          </p:cNvPicPr>
+          <p:nvPr/>
+        </p:nvPicPr>
+        <p:blipFill>
+          <a:blip r:embed="rId3"/>
+          <a:stretch>
+            <a:fillRect/>
+          </a:stretch>
+        </p:blipFill>
+        <p:spPr>
+          <a:xfrm>
+            <a:off x="5612582" y="1104900"/>
+            <a:ext cx="6034137" cy="4657725"/>
+          </a:xfrm>
+          <a:prstGeom prst="rect">
+            <a:avLst/>
+          </a:prstGeom>
+        </p:spPr>
+      </p:pic>
     </p:spTree>
     <p:extLst>
       <p:ext uri="{BB962C8B-B14F-4D97-AF65-F5344CB8AC3E}">
